--- a/docs/diagrams/SelectCommandSequenceDiagram.pptx
+++ b/docs/diagrams/SelectCommandSequenceDiagram.pptx
@@ -208,7 +208,7 @@
           <a:p>
             <a:fld id="{F5CC4B3F-88C1-4FFA-B1B6-F41C21DC6924}" type="datetimeFigureOut">
               <a:rPr lang="en-US" smtClean="0"/>
-              <a:t>11/7/2018</a:t>
+              <a:t>11/11/2018</a:t>
             </a:fld>
             <a:endParaRPr lang="en-US"/>
           </a:p>
@@ -738,7 +738,7 @@
           <a:p>
             <a:fld id="{78C97017-6FC3-485B-9764-EAC9E56C1D49}" type="datetimeFigureOut">
               <a:rPr lang="en-US" smtClean="0"/>
-              <a:t>11/7/2018</a:t>
+              <a:t>11/11/2018</a:t>
             </a:fld>
             <a:endParaRPr lang="en-US"/>
           </a:p>
@@ -906,7 +906,7 @@
           <a:p>
             <a:fld id="{78C97017-6FC3-485B-9764-EAC9E56C1D49}" type="datetimeFigureOut">
               <a:rPr lang="en-US" smtClean="0"/>
-              <a:t>11/7/2018</a:t>
+              <a:t>11/11/2018</a:t>
             </a:fld>
             <a:endParaRPr lang="en-US"/>
           </a:p>
@@ -1084,7 +1084,7 @@
           <a:p>
             <a:fld id="{78C97017-6FC3-485B-9764-EAC9E56C1D49}" type="datetimeFigureOut">
               <a:rPr lang="en-US" smtClean="0"/>
-              <a:t>11/7/2018</a:t>
+              <a:t>11/11/2018</a:t>
             </a:fld>
             <a:endParaRPr lang="en-US"/>
           </a:p>
@@ -1252,7 +1252,7 @@
           <a:p>
             <a:fld id="{78C97017-6FC3-485B-9764-EAC9E56C1D49}" type="datetimeFigureOut">
               <a:rPr lang="en-US" smtClean="0"/>
-              <a:t>11/7/2018</a:t>
+              <a:t>11/11/2018</a:t>
             </a:fld>
             <a:endParaRPr lang="en-US"/>
           </a:p>
@@ -1497,7 +1497,7 @@
           <a:p>
             <a:fld id="{78C97017-6FC3-485B-9764-EAC9E56C1D49}" type="datetimeFigureOut">
               <a:rPr lang="en-US" smtClean="0"/>
-              <a:t>11/7/2018</a:t>
+              <a:t>11/11/2018</a:t>
             </a:fld>
             <a:endParaRPr lang="en-US"/>
           </a:p>
@@ -1782,7 +1782,7 @@
           <a:p>
             <a:fld id="{78C97017-6FC3-485B-9764-EAC9E56C1D49}" type="datetimeFigureOut">
               <a:rPr lang="en-US" smtClean="0"/>
-              <a:t>11/7/2018</a:t>
+              <a:t>11/11/2018</a:t>
             </a:fld>
             <a:endParaRPr lang="en-US"/>
           </a:p>
@@ -2201,7 +2201,7 @@
           <a:p>
             <a:fld id="{78C97017-6FC3-485B-9764-EAC9E56C1D49}" type="datetimeFigureOut">
               <a:rPr lang="en-US" smtClean="0"/>
-              <a:t>11/7/2018</a:t>
+              <a:t>11/11/2018</a:t>
             </a:fld>
             <a:endParaRPr lang="en-US"/>
           </a:p>
@@ -2318,7 +2318,7 @@
           <a:p>
             <a:fld id="{78C97017-6FC3-485B-9764-EAC9E56C1D49}" type="datetimeFigureOut">
               <a:rPr lang="en-US" smtClean="0"/>
-              <a:t>11/7/2018</a:t>
+              <a:t>11/11/2018</a:t>
             </a:fld>
             <a:endParaRPr lang="en-US"/>
           </a:p>
@@ -2413,7 +2413,7 @@
           <a:p>
             <a:fld id="{78C97017-6FC3-485B-9764-EAC9E56C1D49}" type="datetimeFigureOut">
               <a:rPr lang="en-US" smtClean="0"/>
-              <a:t>11/7/2018</a:t>
+              <a:t>11/11/2018</a:t>
             </a:fld>
             <a:endParaRPr lang="en-US"/>
           </a:p>
@@ -2688,7 +2688,7 @@
           <a:p>
             <a:fld id="{78C97017-6FC3-485B-9764-EAC9E56C1D49}" type="datetimeFigureOut">
               <a:rPr lang="en-US" smtClean="0"/>
-              <a:t>11/7/2018</a:t>
+              <a:t>11/11/2018</a:t>
             </a:fld>
             <a:endParaRPr lang="en-US"/>
           </a:p>
@@ -2940,7 +2940,7 @@
           <a:p>
             <a:fld id="{78C97017-6FC3-485B-9764-EAC9E56C1D49}" type="datetimeFigureOut">
               <a:rPr lang="en-US" smtClean="0"/>
-              <a:t>11/7/2018</a:t>
+              <a:t>11/11/2018</a:t>
             </a:fld>
             <a:endParaRPr lang="en-US"/>
           </a:p>
@@ -3151,7 +3151,7 @@
           <a:p>
             <a:fld id="{78C97017-6FC3-485B-9764-EAC9E56C1D49}" type="datetimeFigureOut">
               <a:rPr lang="en-US" smtClean="0"/>
-              <a:t>11/7/2018</a:t>
+              <a:t>11/11/2018</a:t>
             </a:fld>
             <a:endParaRPr lang="en-US"/>
           </a:p>
@@ -3535,7 +3535,7 @@
         <p:spPr>
           <a:xfrm>
             <a:off x="4572000" y="-685800"/>
-            <a:ext cx="3430771" cy="7018800"/>
+            <a:ext cx="4755337" cy="7018800"/>
           </a:xfrm>
           <a:prstGeom prst="roundRect">
             <a:avLst>
@@ -4548,7 +4548,7 @@
         </p:nvSpPr>
         <p:spPr>
           <a:xfrm>
-            <a:off x="6919943" y="2231301"/>
+            <a:off x="8002169" y="2089068"/>
             <a:ext cx="841636" cy="300180"/>
           </a:xfrm>
           <a:prstGeom prst="rect">
@@ -4604,13 +4604,14 @@
           <p:cNvPr id="46" name="Straight Connector 45"/>
           <p:cNvCxnSpPr>
             <a:cxnSpLocks/>
+            <a:stCxn id="40" idx="2"/>
           </p:cNvCxnSpPr>
           <p:nvPr/>
         </p:nvCxnSpPr>
         <p:spPr>
-          <a:xfrm>
-            <a:off x="7313951" y="2513888"/>
-            <a:ext cx="0" cy="3344824"/>
+          <a:xfrm flipH="1">
+            <a:off x="8396177" y="2389248"/>
+            <a:ext cx="26810" cy="3469464"/>
           </a:xfrm>
           <a:prstGeom prst="line">
             <a:avLst/>
@@ -5209,9 +5210,9 @@
           <p:nvPr/>
         </p:nvCxnSpPr>
         <p:spPr>
-          <a:xfrm>
-            <a:off x="2647650" y="4673102"/>
-            <a:ext cx="4586082" cy="0"/>
+          <a:xfrm flipV="1">
+            <a:off x="2647650" y="4663379"/>
+            <a:ext cx="5668308" cy="9723"/>
           </a:xfrm>
           <a:prstGeom prst="straightConnector1">
             <a:avLst/>
@@ -5431,7 +5432,7 @@
         </p:nvSpPr>
         <p:spPr>
           <a:xfrm>
-            <a:off x="7233732" y="4460656"/>
+            <a:off x="8315958" y="4460656"/>
             <a:ext cx="160439" cy="223057"/>
           </a:xfrm>
           <a:prstGeom prst="rect">
@@ -5485,9 +5486,9 @@
           <p:nvPr/>
         </p:nvCxnSpPr>
         <p:spPr>
-          <a:xfrm>
-            <a:off x="2586378" y="4463160"/>
-            <a:ext cx="4647354" cy="7778"/>
+          <a:xfrm flipV="1">
+            <a:off x="2586378" y="4448982"/>
+            <a:ext cx="5729580" cy="14178"/>
           </a:xfrm>
           <a:prstGeom prst="straightConnector1">
             <a:avLst/>
@@ -5842,7 +5843,7 @@
         </p:nvSpPr>
         <p:spPr>
           <a:xfrm>
-            <a:off x="4783408" y="3476163"/>
+            <a:off x="6086818" y="3476163"/>
             <a:ext cx="1523505" cy="369879"/>
           </a:xfrm>
           <a:prstGeom prst="rect">
@@ -5908,7 +5909,7 @@
         <p:spPr>
           <a:xfrm>
             <a:off x="5255411" y="3131454"/>
-            <a:ext cx="183006" cy="126255"/>
+            <a:ext cx="183006" cy="130529"/>
           </a:xfrm>
           <a:prstGeom prst="rect">
             <a:avLst/>
@@ -5960,8 +5961,8 @@
         </p:nvSpPr>
         <p:spPr>
           <a:xfrm>
-            <a:off x="5453657" y="3832144"/>
-            <a:ext cx="183006" cy="126255"/>
+            <a:off x="6757067" y="3832144"/>
+            <a:ext cx="183006" cy="138191"/>
           </a:xfrm>
           <a:prstGeom prst="rect">
             <a:avLst/>
@@ -6054,14 +6055,13 @@
           </p:cNvPr>
           <p:cNvCxnSpPr>
             <a:cxnSpLocks/>
-            <a:endCxn id="125" idx="2"/>
           </p:cNvCxnSpPr>
           <p:nvPr/>
         </p:nvCxnSpPr>
         <p:spPr>
-          <a:xfrm>
-            <a:off x="2638553" y="3257709"/>
-            <a:ext cx="2708361" cy="0"/>
+          <a:xfrm flipV="1">
+            <a:off x="2638553" y="3257708"/>
+            <a:ext cx="2619247" cy="1"/>
           </a:xfrm>
           <a:prstGeom prst="straightConnector1">
             <a:avLst/>
@@ -6107,7 +6107,7 @@
         <p:spPr>
           <a:xfrm>
             <a:off x="2614961" y="3657600"/>
-            <a:ext cx="2157349" cy="0"/>
+            <a:ext cx="3471856" cy="0"/>
           </a:xfrm>
           <a:prstGeom prst="straightConnector1">
             <a:avLst/>
@@ -6149,9 +6149,9 @@
           <p:nvPr/>
         </p:nvCxnSpPr>
         <p:spPr>
-          <a:xfrm flipV="1">
-            <a:off x="2636582" y="3951127"/>
-            <a:ext cx="2863721" cy="14928"/>
+          <a:xfrm>
+            <a:off x="2636582" y="3966055"/>
+            <a:ext cx="4120485" cy="4280"/>
           </a:xfrm>
           <a:prstGeom prst="straightConnector1">
             <a:avLst/>
@@ -6247,7 +6247,7 @@
         <p:grpSpPr>
           <a:xfrm>
             <a:off x="1947493" y="2531481"/>
-            <a:ext cx="4758107" cy="1605627"/>
+            <a:ext cx="5824907" cy="1605627"/>
             <a:chOff x="1947493" y="2531481"/>
             <a:chExt cx="4758107" cy="1605627"/>
           </a:xfrm>
@@ -6618,7 +6618,7 @@
         <p:spPr>
           <a:xfrm>
             <a:off x="2636109" y="5161632"/>
-            <a:ext cx="4687328" cy="6110"/>
+            <a:ext cx="5679849" cy="0"/>
           </a:xfrm>
           <a:prstGeom prst="straightConnector1">
             <a:avLst/>
@@ -6664,7 +6664,7 @@
         <p:spPr>
           <a:xfrm>
             <a:off x="2625461" y="4950308"/>
-            <a:ext cx="4647354" cy="7778"/>
+            <a:ext cx="5690497" cy="786"/>
           </a:xfrm>
           <a:prstGeom prst="straightConnector1">
             <a:avLst/>
@@ -6769,8 +6769,8 @@
         </p:nvSpPr>
         <p:spPr>
           <a:xfrm>
-            <a:off x="7243218" y="4960918"/>
-            <a:ext cx="160439" cy="223057"/>
+            <a:off x="8325444" y="4950308"/>
+            <a:ext cx="160439" cy="233667"/>
           </a:xfrm>
           <a:prstGeom prst="rect">
             <a:avLst/>
